--- a/inklink ppt.pptx
+++ b/inklink ppt.pptx
@@ -5,44 +5,45 @@
     <p:sldMasterId id="2147483648" r:id="rId1"/>
   </p:sldMasterIdLst>
   <p:notesMasterIdLst>
-    <p:notesMasterId r:id="rId21"/>
+    <p:notesMasterId r:id="rId22"/>
   </p:notesMasterIdLst>
   <p:sldIdLst>
     <p:sldId id="256" r:id="rId2"/>
-    <p:sldId id="257" r:id="rId3"/>
-    <p:sldId id="258" r:id="rId4"/>
-    <p:sldId id="259" r:id="rId5"/>
-    <p:sldId id="260" r:id="rId6"/>
-    <p:sldId id="261" r:id="rId7"/>
-    <p:sldId id="262" r:id="rId8"/>
-    <p:sldId id="263" r:id="rId9"/>
-    <p:sldId id="274" r:id="rId10"/>
-    <p:sldId id="275" r:id="rId11"/>
-    <p:sldId id="276" r:id="rId12"/>
-    <p:sldId id="266" r:id="rId13"/>
-    <p:sldId id="267" r:id="rId14"/>
-    <p:sldId id="269" r:id="rId15"/>
-    <p:sldId id="270" r:id="rId16"/>
-    <p:sldId id="268" r:id="rId17"/>
-    <p:sldId id="271" r:id="rId18"/>
-    <p:sldId id="272" r:id="rId19"/>
-    <p:sldId id="273" r:id="rId20"/>
+    <p:sldId id="277" r:id="rId3"/>
+    <p:sldId id="257" r:id="rId4"/>
+    <p:sldId id="258" r:id="rId5"/>
+    <p:sldId id="259" r:id="rId6"/>
+    <p:sldId id="260" r:id="rId7"/>
+    <p:sldId id="261" r:id="rId8"/>
+    <p:sldId id="262" r:id="rId9"/>
+    <p:sldId id="263" r:id="rId10"/>
+    <p:sldId id="274" r:id="rId11"/>
+    <p:sldId id="275" r:id="rId12"/>
+    <p:sldId id="276" r:id="rId13"/>
+    <p:sldId id="266" r:id="rId14"/>
+    <p:sldId id="267" r:id="rId15"/>
+    <p:sldId id="269" r:id="rId16"/>
+    <p:sldId id="270" r:id="rId17"/>
+    <p:sldId id="268" r:id="rId18"/>
+    <p:sldId id="271" r:id="rId19"/>
+    <p:sldId id="272" r:id="rId20"/>
+    <p:sldId id="273" r:id="rId21"/>
   </p:sldIdLst>
   <p:sldSz cx="18288000" cy="10287000"/>
   <p:notesSz cx="6858000" cy="9144000"/>
   <p:embeddedFontLst>
     <p:embeddedFont>
       <p:font typeface="Canva Sans" panose="020B0604020202020204" charset="0"/>
-      <p:regular r:id="rId22"/>
+      <p:regular r:id="rId23"/>
     </p:embeddedFont>
     <p:embeddedFont>
       <p:font typeface="Canva Sans Bold" panose="020B0604020202020204" charset="0"/>
-      <p:regular r:id="rId23"/>
+      <p:regular r:id="rId24"/>
     </p:embeddedFont>
     <p:embeddedFont>
       <p:font typeface="Times New Roman Bold" panose="02020803070505020304" pitchFamily="18" charset="0"/>
-      <p:regular r:id="rId24"/>
-      <p:bold r:id="rId25"/>
+      <p:regular r:id="rId25"/>
+      <p:bold r:id="rId26"/>
     </p:embeddedFont>
   </p:embeddedFontLst>
   <p:defaultTextStyle>
@@ -241,7 +242,7 @@
           <a:p>
             <a:fld id="{3D369F42-97FF-403D-8ED3-71F8B6C9CC06}" type="datetimeFigureOut">
               <a:rPr lang="en-IN" smtClean="0"/>
-              <a:t>18-09-2025</a:t>
+              <a:t>16-10-2025</a:t>
             </a:fld>
             <a:endParaRPr lang="en-IN"/>
           </a:p>
@@ -574,7 +575,7 @@
           <a:p>
             <a:fld id="{50B891BC-E036-4FBD-884C-E7A75A8827D1}" type="slidenum">
               <a:rPr lang="en-IN" smtClean="0"/>
-              <a:t>11</a:t>
+              <a:t>12</a:t>
             </a:fld>
             <a:endParaRPr lang="en-IN"/>
           </a:p>
@@ -773,7 +774,7 @@
             <a:fld id="{1D8BD707-D9CF-40AE-B4C6-C98DA3205C09}" type="datetimeFigureOut">
               <a:rPr lang="en-US" smtClean="0"/>
               <a:pPr/>
-              <a:t>9/18/2025</a:t>
+              <a:t>10/16/2025</a:t>
             </a:fld>
             <a:endParaRPr lang="en-US"/>
           </a:p>
@@ -938,7 +939,7 @@
             <a:fld id="{1D8BD707-D9CF-40AE-B4C6-C98DA3205C09}" type="datetimeFigureOut">
               <a:rPr lang="en-US" smtClean="0"/>
               <a:pPr/>
-              <a:t>9/18/2025</a:t>
+              <a:t>10/16/2025</a:t>
             </a:fld>
             <a:endParaRPr lang="en-US"/>
           </a:p>
@@ -1113,7 +1114,7 @@
             <a:fld id="{1D8BD707-D9CF-40AE-B4C6-C98DA3205C09}" type="datetimeFigureOut">
               <a:rPr lang="en-US" smtClean="0"/>
               <a:pPr/>
-              <a:t>9/18/2025</a:t>
+              <a:t>10/16/2025</a:t>
             </a:fld>
             <a:endParaRPr lang="en-US"/>
           </a:p>
@@ -1278,7 +1279,7 @@
             <a:fld id="{1D8BD707-D9CF-40AE-B4C6-C98DA3205C09}" type="datetimeFigureOut">
               <a:rPr lang="en-US" smtClean="0"/>
               <a:pPr/>
-              <a:t>9/18/2025</a:t>
+              <a:t>10/16/2025</a:t>
             </a:fld>
             <a:endParaRPr lang="en-US"/>
           </a:p>
@@ -1520,7 +1521,7 @@
             <a:fld id="{1D8BD707-D9CF-40AE-B4C6-C98DA3205C09}" type="datetimeFigureOut">
               <a:rPr lang="en-US" smtClean="0"/>
               <a:pPr/>
-              <a:t>9/18/2025</a:t>
+              <a:t>10/16/2025</a:t>
             </a:fld>
             <a:endParaRPr lang="en-US"/>
           </a:p>
@@ -1802,7 +1803,7 @@
             <a:fld id="{1D8BD707-D9CF-40AE-B4C6-C98DA3205C09}" type="datetimeFigureOut">
               <a:rPr lang="en-US" smtClean="0"/>
               <a:pPr/>
-              <a:t>9/18/2025</a:t>
+              <a:t>10/16/2025</a:t>
             </a:fld>
             <a:endParaRPr lang="en-US"/>
           </a:p>
@@ -2218,7 +2219,7 @@
             <a:fld id="{1D8BD707-D9CF-40AE-B4C6-C98DA3205C09}" type="datetimeFigureOut">
               <a:rPr lang="en-US" smtClean="0"/>
               <a:pPr/>
-              <a:t>9/18/2025</a:t>
+              <a:t>10/16/2025</a:t>
             </a:fld>
             <a:endParaRPr lang="en-US"/>
           </a:p>
@@ -2332,7 +2333,7 @@
             <a:fld id="{1D8BD707-D9CF-40AE-B4C6-C98DA3205C09}" type="datetimeFigureOut">
               <a:rPr lang="en-US" smtClean="0"/>
               <a:pPr/>
-              <a:t>9/18/2025</a:t>
+              <a:t>10/16/2025</a:t>
             </a:fld>
             <a:endParaRPr lang="en-US"/>
           </a:p>
@@ -2424,7 +2425,7 @@
             <a:fld id="{1D8BD707-D9CF-40AE-B4C6-C98DA3205C09}" type="datetimeFigureOut">
               <a:rPr lang="en-US" smtClean="0"/>
               <a:pPr/>
-              <a:t>9/18/2025</a:t>
+              <a:t>10/16/2025</a:t>
             </a:fld>
             <a:endParaRPr lang="en-US"/>
           </a:p>
@@ -2696,7 +2697,7 @@
             <a:fld id="{1D8BD707-D9CF-40AE-B4C6-C98DA3205C09}" type="datetimeFigureOut">
               <a:rPr lang="en-US" smtClean="0"/>
               <a:pPr/>
-              <a:t>9/18/2025</a:t>
+              <a:t>10/16/2025</a:t>
             </a:fld>
             <a:endParaRPr lang="en-US"/>
           </a:p>
@@ -2945,7 +2946,7 @@
             <a:fld id="{1D8BD707-D9CF-40AE-B4C6-C98DA3205C09}" type="datetimeFigureOut">
               <a:rPr lang="en-US" smtClean="0"/>
               <a:pPr/>
-              <a:t>9/18/2025</a:t>
+              <a:t>10/16/2025</a:t>
             </a:fld>
             <a:endParaRPr lang="en-US"/>
           </a:p>
@@ -3153,7 +3154,7 @@
             <a:fld id="{1D8BD707-D9CF-40AE-B4C6-C98DA3205C09}" type="datetimeFigureOut">
               <a:rPr lang="en-US" smtClean="0"/>
               <a:pPr/>
-              <a:t>9/18/2025</a:t>
+              <a:t>10/16/2025</a:t>
             </a:fld>
             <a:endParaRPr lang="en-US"/>
           </a:p>
@@ -3886,13 +3887,13 @@
   <p:clrMapOvr>
     <a:masterClrMapping/>
   </p:clrMapOvr>
-  <mc:AlternateContent xmlns:mc="http://schemas.openxmlformats.org/markup-compatibility/2006">
-    <mc:Choice xmlns:p14="http://schemas.microsoft.com/office/powerpoint/2010/main" Requires="p14">
+  <mc:AlternateContent xmlns:mc="http://schemas.openxmlformats.org/markup-compatibility/2006" xmlns:p14="http://schemas.microsoft.com/office/powerpoint/2010/main">
+    <mc:Choice Requires="p14">
       <p:transition spd="med" p14:dur="700">
         <p:fade/>
       </p:transition>
     </mc:Choice>
-    <mc:Fallback>
+    <mc:Fallback xmlns="">
       <p:transition spd="med">
         <p:fade/>
       </p:transition>
@@ -4052,6 +4053,294 @@
           <p:cNvPr id="3" name="Picture 2">
             <a:extLst>
               <a:ext uri="{FF2B5EF4-FFF2-40B4-BE49-F238E27FC236}">
+                <a16:creationId xmlns:a16="http://schemas.microsoft.com/office/drawing/2014/main" id="{3D81919B-9900-5C33-8A2F-03A5E0DF8EC8}"/>
+              </a:ext>
+            </a:extLst>
+          </p:cNvPr>
+          <p:cNvPicPr>
+            <a:picLocks noChangeAspect="1"/>
+          </p:cNvPicPr>
+          <p:nvPr/>
+        </p:nvPicPr>
+        <p:blipFill>
+          <a:blip r:embed="rId2" cstate="print">
+            <a:extLst>
+              <a:ext uri="{28A0092B-C50C-407E-A947-70E740481C1C}">
+                <a14:useLocalDpi xmlns:a14="http://schemas.microsoft.com/office/drawing/2010/main" val="0"/>
+              </a:ext>
+            </a:extLst>
+          </a:blip>
+          <a:stretch>
+            <a:fillRect/>
+          </a:stretch>
+        </p:blipFill>
+        <p:spPr>
+          <a:xfrm>
+            <a:off x="11277600" y="0"/>
+            <a:ext cx="7010400" cy="10287000"/>
+          </a:xfrm>
+          <a:prstGeom prst="rect">
+            <a:avLst/>
+          </a:prstGeom>
+        </p:spPr>
+      </p:pic>
+      <p:sp>
+        <p:nvSpPr>
+          <p:cNvPr id="4" name="TextBox 3">
+            <a:extLst>
+              <a:ext uri="{FF2B5EF4-FFF2-40B4-BE49-F238E27FC236}">
+                <a16:creationId xmlns:a16="http://schemas.microsoft.com/office/drawing/2014/main" id="{967ABB25-9859-DEB6-2457-8C7814A07BE5}"/>
+              </a:ext>
+            </a:extLst>
+          </p:cNvPr>
+          <p:cNvSpPr txBox="1"/>
+          <p:nvPr/>
+        </p:nvSpPr>
+        <p:spPr>
+          <a:xfrm>
+            <a:off x="304800" y="1650236"/>
+            <a:ext cx="10363200" cy="6986528"/>
+          </a:xfrm>
+          <a:prstGeom prst="rect">
+            <a:avLst/>
+          </a:prstGeom>
+          <a:noFill/>
+        </p:spPr>
+        <p:txBody>
+          <a:bodyPr wrap="square" rtlCol="0">
+            <a:spAutoFit/>
+          </a:bodyPr>
+          <a:lstStyle/>
+          <a:p>
+            <a:r>
+              <a:rPr lang="en-IN" sz="2800" b="1" u="sng" dirty="0"/>
+              <a:t>Overview:</a:t>
+            </a:r>
+          </a:p>
+          <a:p>
+            <a:endParaRPr lang="en-IN" sz="2800" b="1" u="sng" dirty="0"/>
+          </a:p>
+          <a:p>
+            <a:pPr marL="457200" indent="-457200">
+              <a:buFont typeface="Arial" panose="020B0604020202020204" pitchFamily="34" charset="0"/>
+              <a:buChar char="•"/>
+            </a:pPr>
+            <a:r>
+              <a:rPr lang="en-IN" sz="2800" dirty="0"/>
+              <a:t>Modern and minimal landing page for </a:t>
+            </a:r>
+            <a:r>
+              <a:rPr lang="en-IN" sz="2800" dirty="0" err="1"/>
+              <a:t>InkLink</a:t>
+            </a:r>
+            <a:r>
+              <a:rPr lang="en-IN" sz="2800" dirty="0"/>
+              <a:t>.</a:t>
+            </a:r>
+          </a:p>
+          <a:p>
+            <a:pPr marL="457200" indent="-457200">
+              <a:buFont typeface="Arial" panose="020B0604020202020204" pitchFamily="34" charset="0"/>
+              <a:buChar char="•"/>
+            </a:pPr>
+            <a:r>
+              <a:rPr lang="en-IN" sz="2800" dirty="0"/>
+              <a:t>Welcomes users with a clear call-to-action (“Create a Blog”).</a:t>
+            </a:r>
+          </a:p>
+          <a:p>
+            <a:pPr marL="457200" indent="-457200">
+              <a:buFont typeface="Arial" panose="020B0604020202020204" pitchFamily="34" charset="0"/>
+              <a:buChar char="•"/>
+            </a:pPr>
+            <a:r>
+              <a:rPr lang="en-IN" sz="2800" dirty="0"/>
+              <a:t>Highlights latest blog posts in a clean grid layout.</a:t>
+            </a:r>
+          </a:p>
+          <a:p>
+            <a:pPr marL="457200" indent="-457200">
+              <a:buFont typeface="Arial" panose="020B0604020202020204" pitchFamily="34" charset="0"/>
+              <a:buChar char="•"/>
+            </a:pPr>
+            <a:r>
+              <a:rPr lang="en-IN" sz="2800" dirty="0"/>
+              <a:t>Section for Why Join </a:t>
+            </a:r>
+            <a:r>
+              <a:rPr lang="en-IN" sz="2800" dirty="0" err="1"/>
+              <a:t>InkLink</a:t>
+            </a:r>
+            <a:r>
+              <a:rPr lang="en-IN" sz="2800" dirty="0"/>
+              <a:t>? showing key benefits.</a:t>
+            </a:r>
+          </a:p>
+          <a:p>
+            <a:pPr marL="457200" indent="-457200">
+              <a:buFont typeface="Arial" panose="020B0604020202020204" pitchFamily="34" charset="0"/>
+              <a:buChar char="•"/>
+            </a:pPr>
+            <a:r>
+              <a:rPr lang="en-IN" sz="2800" dirty="0"/>
+              <a:t>Fully responsive design with smooth navigation (Home, About, Contact, Blog). </a:t>
+            </a:r>
+          </a:p>
+          <a:p>
+            <a:endParaRPr lang="en-IN" sz="2800" dirty="0"/>
+          </a:p>
+          <a:p>
+            <a:r>
+              <a:rPr lang="en-IN" sz="2800" b="1" u="sng" dirty="0"/>
+              <a:t>Key Features on Landing Page:</a:t>
+            </a:r>
+          </a:p>
+          <a:p>
+            <a:endParaRPr lang="en-IN" sz="2800" b="1" u="sng" dirty="0"/>
+          </a:p>
+          <a:p>
+            <a:pPr marL="457200" indent="-457200">
+              <a:buFont typeface="Arial" panose="020B0604020202020204" pitchFamily="34" charset="0"/>
+              <a:buChar char="•"/>
+            </a:pPr>
+            <a:r>
+              <a:rPr lang="en-IN" sz="2800" dirty="0"/>
+              <a:t>✨ Hero section with welcome message.</a:t>
+            </a:r>
+          </a:p>
+          <a:p>
+            <a:pPr marL="457200" indent="-457200">
+              <a:buFont typeface="Arial" panose="020B0604020202020204" pitchFamily="34" charset="0"/>
+              <a:buChar char="•"/>
+            </a:pPr>
+            <a:r>
+              <a:rPr lang="en-IN" sz="2800" dirty="0"/>
+              <a:t>📰 “Latest Blog Posts” grid for trending content.</a:t>
+            </a:r>
+          </a:p>
+          <a:p>
+            <a:pPr marL="457200" indent="-457200">
+              <a:buFont typeface="Arial" panose="020B0604020202020204" pitchFamily="34" charset="0"/>
+              <a:buChar char="•"/>
+            </a:pPr>
+            <a:r>
+              <a:rPr lang="en-IN" sz="2800" dirty="0"/>
+              <a:t>🎯 “Why Join </a:t>
+            </a:r>
+            <a:r>
+              <a:rPr lang="en-IN" sz="2800" dirty="0" err="1"/>
+              <a:t>InkLink</a:t>
+            </a:r>
+            <a:r>
+              <a:rPr lang="en-IN" sz="2800" dirty="0"/>
+              <a:t>?” section to attract new users.</a:t>
+            </a:r>
+          </a:p>
+          <a:p>
+            <a:pPr marL="457200" indent="-457200">
+              <a:buFont typeface="Arial" panose="020B0604020202020204" pitchFamily="34" charset="0"/>
+              <a:buChar char="•"/>
+            </a:pPr>
+            <a:r>
+              <a:rPr lang="en-IN" sz="2800" dirty="0"/>
+              <a:t>📌 Footer with quick links, newsletter subscription, and social media.</a:t>
+            </a:r>
+          </a:p>
+        </p:txBody>
+      </p:sp>
+      <p:sp>
+        <p:nvSpPr>
+          <p:cNvPr id="6" name="TextBox 5">
+            <a:extLst>
+              <a:ext uri="{FF2B5EF4-FFF2-40B4-BE49-F238E27FC236}">
+                <a16:creationId xmlns:a16="http://schemas.microsoft.com/office/drawing/2014/main" id="{33F54E58-E728-BA42-B434-5A62E34FA3CC}"/>
+              </a:ext>
+            </a:extLst>
+          </p:cNvPr>
+          <p:cNvSpPr txBox="1"/>
+          <p:nvPr/>
+        </p:nvSpPr>
+        <p:spPr>
+          <a:xfrm>
+            <a:off x="2188760" y="266700"/>
+            <a:ext cx="5867400" cy="1754326"/>
+          </a:xfrm>
+          <a:prstGeom prst="rect">
+            <a:avLst/>
+          </a:prstGeom>
+          <a:noFill/>
+        </p:spPr>
+        <p:txBody>
+          <a:bodyPr wrap="square" rtlCol="0">
+            <a:spAutoFit/>
+          </a:bodyPr>
+          <a:lstStyle/>
+          <a:p>
+            <a:r>
+              <a:rPr lang="en-US" sz="5400" b="1" u="sng" dirty="0">
+                <a:solidFill>
+                  <a:srgbClr val="000000"/>
+                </a:solidFill>
+                <a:latin typeface="Times New Roman Bold"/>
+                <a:ea typeface="Times New Roman Bold"/>
+                <a:cs typeface="Times New Roman Bold"/>
+                <a:sym typeface="Times New Roman Bold"/>
+              </a:rPr>
+              <a:t>LANDING PAGE</a:t>
+            </a:r>
+            <a:r>
+              <a:rPr lang="en-US" sz="5400" b="1" dirty="0">
+                <a:solidFill>
+                  <a:srgbClr val="000000"/>
+                </a:solidFill>
+                <a:latin typeface="Times New Roman Bold"/>
+                <a:ea typeface="Times New Roman Bold"/>
+                <a:cs typeface="Times New Roman Bold"/>
+                <a:sym typeface="Times New Roman Bold"/>
+              </a:rPr>
+              <a:t> </a:t>
+            </a:r>
+          </a:p>
+          <a:p>
+            <a:endParaRPr lang="en-IN" sz="5400" dirty="0"/>
+          </a:p>
+        </p:txBody>
+      </p:sp>
+    </p:spTree>
+    <p:extLst>
+      <p:ext uri="{BB962C8B-B14F-4D97-AF65-F5344CB8AC3E}">
+        <p14:creationId xmlns:p14="http://schemas.microsoft.com/office/powerpoint/2010/main" val="1493395639"/>
+      </p:ext>
+    </p:extLst>
+  </p:cSld>
+  <p:clrMapOvr>
+    <a:masterClrMapping/>
+  </p:clrMapOvr>
+</p:sld>
+</file>
+
+<file path=ppt/slides/slide11.xml><?xml version="1.0" encoding="utf-8"?>
+<p:sld xmlns:a="http://schemas.openxmlformats.org/drawingml/2006/main" xmlns:r="http://schemas.openxmlformats.org/officeDocument/2006/relationships" xmlns:p="http://schemas.openxmlformats.org/presentationml/2006/main">
+  <p:cSld>
+    <p:spTree>
+      <p:nvGrpSpPr>
+        <p:cNvPr id="1" name=""/>
+        <p:cNvGrpSpPr/>
+        <p:nvPr/>
+      </p:nvGrpSpPr>
+      <p:grpSpPr>
+        <a:xfrm>
+          <a:off x="0" y="0"/>
+          <a:ext cx="0" cy="0"/>
+          <a:chOff x="0" y="0"/>
+          <a:chExt cx="0" cy="0"/>
+        </a:xfrm>
+      </p:grpSpPr>
+      <p:pic>
+        <p:nvPicPr>
+          <p:cNvPr id="3" name="Picture 2">
+            <a:extLst>
+              <a:ext uri="{FF2B5EF4-FFF2-40B4-BE49-F238E27FC236}">
                 <a16:creationId xmlns:a16="http://schemas.microsoft.com/office/drawing/2014/main" id="{E5DA8D6A-F4E1-923F-39A5-06C8AC375033}"/>
               </a:ext>
             </a:extLst>
@@ -4326,7 +4615,7 @@
 </p:sld>
 </file>
 
-<file path=ppt/slides/slide11.xml><?xml version="1.0" encoding="utf-8"?>
+<file path=ppt/slides/slide12.xml><?xml version="1.0" encoding="utf-8"?>
 <p:sld xmlns:a="http://schemas.openxmlformats.org/drawingml/2006/main" xmlns:r="http://schemas.openxmlformats.org/officeDocument/2006/relationships" xmlns:p="http://schemas.openxmlformats.org/presentationml/2006/main">
   <p:cSld>
     <p:spTree>
@@ -4573,7 +4862,7 @@
 </p:sld>
 </file>
 
-<file path=ppt/slides/slide12.xml><?xml version="1.0" encoding="utf-8"?>
+<file path=ppt/slides/slide13.xml><?xml version="1.0" encoding="utf-8"?>
 <p:sld xmlns:a="http://schemas.openxmlformats.org/drawingml/2006/main" xmlns:r="http://schemas.openxmlformats.org/officeDocument/2006/relationships" xmlns:p="http://schemas.openxmlformats.org/presentationml/2006/main">
   <p:cSld>
     <p:spTree>
@@ -4824,7 +5113,7 @@
 </p:sld>
 </file>
 
-<file path=ppt/slides/slide13.xml><?xml version="1.0" encoding="utf-8"?>
+<file path=ppt/slides/slide14.xml><?xml version="1.0" encoding="utf-8"?>
 <p:sld xmlns:a="http://schemas.openxmlformats.org/drawingml/2006/main" xmlns:r="http://schemas.openxmlformats.org/officeDocument/2006/relationships" xmlns:p="http://schemas.openxmlformats.org/presentationml/2006/main">
   <p:cSld>
     <p:spTree>
@@ -5065,7 +5354,7 @@
 </p:sld>
 </file>
 
-<file path=ppt/slides/slide14.xml><?xml version="1.0" encoding="utf-8"?>
+<file path=ppt/slides/slide15.xml><?xml version="1.0" encoding="utf-8"?>
 <p:sld xmlns:a="http://schemas.openxmlformats.org/drawingml/2006/main" xmlns:r="http://schemas.openxmlformats.org/officeDocument/2006/relationships" xmlns:p="http://schemas.openxmlformats.org/presentationml/2006/main">
   <p:cSld>
     <p:spTree>
@@ -5403,7 +5692,7 @@
 </p:sld>
 </file>
 
-<file path=ppt/slides/slide15.xml><?xml version="1.0" encoding="utf-8"?>
+<file path=ppt/slides/slide16.xml><?xml version="1.0" encoding="utf-8"?>
 <p:sld xmlns:a="http://schemas.openxmlformats.org/drawingml/2006/main" xmlns:r="http://schemas.openxmlformats.org/officeDocument/2006/relationships" xmlns:p="http://schemas.openxmlformats.org/presentationml/2006/main">
   <p:cSld>
     <p:spTree>
@@ -5742,7 +6031,7 @@
 </p:sld>
 </file>
 
-<file path=ppt/slides/slide16.xml><?xml version="1.0" encoding="utf-8"?>
+<file path=ppt/slides/slide17.xml><?xml version="1.0" encoding="utf-8"?>
 <p:sld xmlns:a="http://schemas.openxmlformats.org/drawingml/2006/main" xmlns:r="http://schemas.openxmlformats.org/officeDocument/2006/relationships" xmlns:p="http://schemas.openxmlformats.org/presentationml/2006/main">
   <p:cSld>
     <p:spTree>
@@ -7299,7 +7588,7 @@
                 </a:spcBef>
               </a:pPr>
               <a:r>
-                <a:rPr lang="en-US" sz="1599">
+                <a:rPr lang="en-US" sz="1599" dirty="0">
                   <a:solidFill>
                     <a:srgbClr val="63696F"/>
                   </a:solidFill>
@@ -7422,7 +7711,7 @@
 </p:sld>
 </file>
 
-<file path=ppt/slides/slide17.xml><?xml version="1.0" encoding="utf-8"?>
+<file path=ppt/slides/slide18.xml><?xml version="1.0" encoding="utf-8"?>
 <p:sld xmlns:a="http://schemas.openxmlformats.org/drawingml/2006/main" xmlns:r="http://schemas.openxmlformats.org/officeDocument/2006/relationships" xmlns:p="http://schemas.openxmlformats.org/presentationml/2006/main">
   <p:cSld>
     <p:spTree>
@@ -7755,7 +8044,7 @@
 </p:sld>
 </file>
 
-<file path=ppt/slides/slide18.xml><?xml version="1.0" encoding="utf-8"?>
+<file path=ppt/slides/slide19.xml><?xml version="1.0" encoding="utf-8"?>
 <p:sld xmlns:a="http://schemas.openxmlformats.org/drawingml/2006/main" xmlns:r="http://schemas.openxmlformats.org/officeDocument/2006/relationships" xmlns:p="http://schemas.openxmlformats.org/presentationml/2006/main">
   <p:cSld>
     <p:spTree>
@@ -7878,6 +8167,52 @@
           </a:p>
         </p:txBody>
       </p:sp>
+      <p:sp>
+        <p:nvSpPr>
+          <p:cNvPr id="5" name="TextBox 4">
+            <a:extLst>
+              <a:ext uri="{FF2B5EF4-FFF2-40B4-BE49-F238E27FC236}">
+                <a16:creationId xmlns:a16="http://schemas.microsoft.com/office/drawing/2014/main" id="{3BBD2FF0-664F-FDEB-D785-D0801C06ECFA}"/>
+              </a:ext>
+            </a:extLst>
+          </p:cNvPr>
+          <p:cNvSpPr txBox="1"/>
+          <p:nvPr/>
+        </p:nvSpPr>
+        <p:spPr>
+          <a:xfrm>
+            <a:off x="76200" y="6819900"/>
+            <a:ext cx="11755206" cy="830997"/>
+          </a:xfrm>
+          <a:prstGeom prst="rect">
+            <a:avLst/>
+          </a:prstGeom>
+          <a:noFill/>
+        </p:spPr>
+        <p:txBody>
+          <a:bodyPr wrap="none" rtlCol="0">
+            <a:spAutoFit/>
+          </a:bodyPr>
+          <a:lstStyle/>
+          <a:p>
+            <a:r>
+              <a:rPr lang="en-US" sz="4800" b="1" dirty="0"/>
+              <a:t>Deployed web</a:t>
+            </a:r>
+            <a:r>
+              <a:rPr lang="en-US" sz="4800" dirty="0"/>
+              <a:t>:-</a:t>
+            </a:r>
+            <a:r>
+              <a:rPr lang="en-US" sz="4800" dirty="0">
+                <a:hlinkClick r:id="rId2"/>
+              </a:rPr>
+              <a:t>https://inklink-alsx.vercel.app/</a:t>
+            </a:r>
+            <a:endParaRPr lang="en-IN" sz="4800" dirty="0"/>
+          </a:p>
+        </p:txBody>
+      </p:sp>
     </p:spTree>
   </p:cSld>
   <p:clrMapOvr>
@@ -7886,7 +8221,220 @@
 </p:sld>
 </file>
 
-<file path=ppt/slides/slide19.xml><?xml version="1.0" encoding="utf-8"?>
+<file path=ppt/slides/slide2.xml><?xml version="1.0" encoding="utf-8"?>
+<p:sld xmlns:a="http://schemas.openxmlformats.org/drawingml/2006/main" xmlns:r="http://schemas.openxmlformats.org/officeDocument/2006/relationships" xmlns:p="http://schemas.openxmlformats.org/presentationml/2006/main">
+  <p:cSld>
+    <p:spTree>
+      <p:nvGrpSpPr>
+        <p:cNvPr id="1" name=""/>
+        <p:cNvGrpSpPr/>
+        <p:nvPr/>
+      </p:nvGrpSpPr>
+      <p:grpSpPr>
+        <a:xfrm>
+          <a:off x="0" y="0"/>
+          <a:ext cx="0" cy="0"/>
+          <a:chOff x="0" y="0"/>
+          <a:chExt cx="0" cy="0"/>
+        </a:xfrm>
+      </p:grpSpPr>
+      <p:sp>
+        <p:nvSpPr>
+          <p:cNvPr id="2" name="TextBox 1">
+            <a:extLst>
+              <a:ext uri="{FF2B5EF4-FFF2-40B4-BE49-F238E27FC236}">
+                <a16:creationId xmlns:a16="http://schemas.microsoft.com/office/drawing/2014/main" id="{D5B9693F-BA6B-9677-6DD1-CE5A55808219}"/>
+              </a:ext>
+            </a:extLst>
+          </p:cNvPr>
+          <p:cNvSpPr txBox="1"/>
+          <p:nvPr/>
+        </p:nvSpPr>
+        <p:spPr>
+          <a:xfrm>
+            <a:off x="4467620" y="578703"/>
+            <a:ext cx="9781780" cy="830997"/>
+          </a:xfrm>
+          <a:prstGeom prst="rect">
+            <a:avLst/>
+          </a:prstGeom>
+          <a:noFill/>
+        </p:spPr>
+        <p:txBody>
+          <a:bodyPr wrap="none" rtlCol="0">
+            <a:spAutoFit/>
+          </a:bodyPr>
+          <a:lstStyle/>
+          <a:p>
+            <a:r>
+              <a:rPr lang="en-US" sz="4800" b="1" dirty="0"/>
+              <a:t>VOCATIONAL TRAINING CERTIFICATES</a:t>
+            </a:r>
+            <a:endParaRPr lang="en-IN" sz="4800" b="1" dirty="0"/>
+          </a:p>
+        </p:txBody>
+      </p:sp>
+      <p:pic>
+        <p:nvPicPr>
+          <p:cNvPr id="12" name="Picture 11">
+            <a:extLst>
+              <a:ext uri="{FF2B5EF4-FFF2-40B4-BE49-F238E27FC236}">
+                <a16:creationId xmlns:a16="http://schemas.microsoft.com/office/drawing/2014/main" id="{BC7CF01C-AD65-53D5-CCB3-0143D884B12C}"/>
+              </a:ext>
+            </a:extLst>
+          </p:cNvPr>
+          <p:cNvPicPr>
+            <a:picLocks noChangeAspect="1"/>
+          </p:cNvPicPr>
+          <p:nvPr/>
+        </p:nvPicPr>
+        <p:blipFill>
+          <a:blip r:embed="rId2">
+            <a:extLst>
+              <a:ext uri="{28A0092B-C50C-407E-A947-70E740481C1C}">
+                <a14:useLocalDpi xmlns:a14="http://schemas.microsoft.com/office/drawing/2010/main" val="0"/>
+              </a:ext>
+            </a:extLst>
+          </a:blip>
+          <a:stretch>
+            <a:fillRect/>
+          </a:stretch>
+        </p:blipFill>
+        <p:spPr>
+          <a:xfrm>
+            <a:off x="381000" y="2171700"/>
+            <a:ext cx="4095750" cy="6484960"/>
+          </a:xfrm>
+          <a:prstGeom prst="rect">
+            <a:avLst/>
+          </a:prstGeom>
+        </p:spPr>
+      </p:pic>
+      <p:pic>
+        <p:nvPicPr>
+          <p:cNvPr id="14" name="Picture 13">
+            <a:extLst>
+              <a:ext uri="{FF2B5EF4-FFF2-40B4-BE49-F238E27FC236}">
+                <a16:creationId xmlns:a16="http://schemas.microsoft.com/office/drawing/2014/main" id="{6E855A79-30FE-3053-415E-3CF0A335EFDE}"/>
+              </a:ext>
+            </a:extLst>
+          </p:cNvPr>
+          <p:cNvPicPr>
+            <a:picLocks noChangeAspect="1"/>
+          </p:cNvPicPr>
+          <p:nvPr/>
+        </p:nvPicPr>
+        <p:blipFill>
+          <a:blip r:embed="rId3">
+            <a:extLst>
+              <a:ext uri="{28A0092B-C50C-407E-A947-70E740481C1C}">
+                <a14:useLocalDpi xmlns:a14="http://schemas.microsoft.com/office/drawing/2010/main" val="0"/>
+              </a:ext>
+            </a:extLst>
+          </a:blip>
+          <a:srcRect t="8519" b="27037"/>
+          <a:stretch>
+            <a:fillRect/>
+          </a:stretch>
+        </p:blipFill>
+        <p:spPr>
+          <a:xfrm>
+            <a:off x="4800600" y="2057400"/>
+            <a:ext cx="4095750" cy="6599260"/>
+          </a:xfrm>
+          <a:prstGeom prst="rect">
+            <a:avLst/>
+          </a:prstGeom>
+        </p:spPr>
+      </p:pic>
+      <p:pic>
+        <p:nvPicPr>
+          <p:cNvPr id="16" name="Picture 15">
+            <a:extLst>
+              <a:ext uri="{FF2B5EF4-FFF2-40B4-BE49-F238E27FC236}">
+                <a16:creationId xmlns:a16="http://schemas.microsoft.com/office/drawing/2014/main" id="{BD79474C-5B96-8319-6EFE-F1ABC2261179}"/>
+              </a:ext>
+            </a:extLst>
+          </p:cNvPr>
+          <p:cNvPicPr>
+            <a:picLocks noChangeAspect="1"/>
+          </p:cNvPicPr>
+          <p:nvPr/>
+        </p:nvPicPr>
+        <p:blipFill>
+          <a:blip r:embed="rId4">
+            <a:extLst>
+              <a:ext uri="{28A0092B-C50C-407E-A947-70E740481C1C}">
+                <a14:useLocalDpi xmlns:a14="http://schemas.microsoft.com/office/drawing/2010/main" val="0"/>
+              </a:ext>
+            </a:extLst>
+          </a:blip>
+          <a:srcRect l="4059" t="1852" r="4059"/>
+          <a:stretch>
+            <a:fillRect/>
+          </a:stretch>
+        </p:blipFill>
+        <p:spPr>
+          <a:xfrm>
+            <a:off x="9372600" y="2057401"/>
+            <a:ext cx="4095750" cy="6599260"/>
+          </a:xfrm>
+          <a:prstGeom prst="rect">
+            <a:avLst/>
+          </a:prstGeom>
+        </p:spPr>
+      </p:pic>
+      <p:pic>
+        <p:nvPicPr>
+          <p:cNvPr id="18" name="Picture 17">
+            <a:extLst>
+              <a:ext uri="{FF2B5EF4-FFF2-40B4-BE49-F238E27FC236}">
+                <a16:creationId xmlns:a16="http://schemas.microsoft.com/office/drawing/2014/main" id="{17C76EF2-DFA6-9EAB-5213-BB822CA17E7D}"/>
+              </a:ext>
+            </a:extLst>
+          </p:cNvPr>
+          <p:cNvPicPr>
+            <a:picLocks noChangeAspect="1"/>
+          </p:cNvPicPr>
+          <p:nvPr/>
+        </p:nvPicPr>
+        <p:blipFill>
+          <a:blip r:embed="rId5">
+            <a:extLst>
+              <a:ext uri="{28A0092B-C50C-407E-A947-70E740481C1C}">
+                <a14:useLocalDpi xmlns:a14="http://schemas.microsoft.com/office/drawing/2010/main" val="0"/>
+              </a:ext>
+            </a:extLst>
+          </a:blip>
+          <a:srcRect l="3773" t="1852" r="3773"/>
+          <a:stretch>
+            <a:fillRect/>
+          </a:stretch>
+        </p:blipFill>
+        <p:spPr>
+          <a:xfrm>
+            <a:off x="13716000" y="2057400"/>
+            <a:ext cx="4324919" cy="6599261"/>
+          </a:xfrm>
+          <a:prstGeom prst="rect">
+            <a:avLst/>
+          </a:prstGeom>
+        </p:spPr>
+      </p:pic>
+    </p:spTree>
+    <p:extLst>
+      <p:ext uri="{BB962C8B-B14F-4D97-AF65-F5344CB8AC3E}">
+        <p14:creationId xmlns:p14="http://schemas.microsoft.com/office/powerpoint/2010/main" val="1395933374"/>
+      </p:ext>
+    </p:extLst>
+  </p:cSld>
+  <p:clrMapOvr>
+    <a:masterClrMapping/>
+  </p:clrMapOvr>
+</p:sld>
+</file>
+
+<file path=ppt/slides/slide20.xml><?xml version="1.0" encoding="utf-8"?>
 <p:sld xmlns:a="http://schemas.openxmlformats.org/drawingml/2006/main" xmlns:r="http://schemas.openxmlformats.org/officeDocument/2006/relationships" xmlns:p="http://schemas.openxmlformats.org/presentationml/2006/main">
   <p:cSld>
     <p:spTree>
@@ -7952,7 +8500,7 @@
 </p:sld>
 </file>
 
-<file path=ppt/slides/slide2.xml><?xml version="1.0" encoding="utf-8"?>
+<file path=ppt/slides/slide3.xml><?xml version="1.0" encoding="utf-8"?>
 <p:sld xmlns:a="http://schemas.openxmlformats.org/drawingml/2006/main" xmlns:r="http://schemas.openxmlformats.org/officeDocument/2006/relationships" xmlns:p="http://schemas.openxmlformats.org/presentationml/2006/main">
   <p:cSld>
     <p:spTree>
@@ -15378,7 +15926,7 @@
 </p:sld>
 </file>
 
-<file path=ppt/slides/slide3.xml><?xml version="1.0" encoding="utf-8"?>
+<file path=ppt/slides/slide4.xml><?xml version="1.0" encoding="utf-8"?>
 <p:sld xmlns:a="http://schemas.openxmlformats.org/drawingml/2006/main" xmlns:r="http://schemas.openxmlformats.org/officeDocument/2006/relationships" xmlns:p="http://schemas.openxmlformats.org/presentationml/2006/main">
   <p:cSld>
     <p:spTree>
@@ -15671,7 +16219,7 @@
 </p:sld>
 </file>
 
-<file path=ppt/slides/slide4.xml><?xml version="1.0" encoding="utf-8"?>
+<file path=ppt/slides/slide5.xml><?xml version="1.0" encoding="utf-8"?>
 <p:sld xmlns:a="http://schemas.openxmlformats.org/drawingml/2006/main" xmlns:r="http://schemas.openxmlformats.org/officeDocument/2006/relationships" xmlns:p="http://schemas.openxmlformats.org/presentationml/2006/main">
   <p:cSld>
     <p:spTree>
@@ -15800,7 +16348,7 @@
                 <a:cs typeface="Times New Roman" panose="02020603050405020304" pitchFamily="18" charset="0"/>
                 <a:sym typeface="Times New Roman Bold"/>
               </a:rPr>
-              <a:t>, Vanilla JavaScript for modals, React.js(Next.js)</a:t>
+              <a:t>, Vanilla JavaScript for modals, Next.js</a:t>
             </a:r>
           </a:p>
           <a:p>
@@ -16045,7 +16593,7 @@
 </p:sld>
 </file>
 
-<file path=ppt/slides/slide5.xml><?xml version="1.0" encoding="utf-8"?>
+<file path=ppt/slides/slide6.xml><?xml version="1.0" encoding="utf-8"?>
 <p:sld xmlns:a="http://schemas.openxmlformats.org/drawingml/2006/main" xmlns:r="http://schemas.openxmlformats.org/officeDocument/2006/relationships" xmlns:p="http://schemas.openxmlformats.org/presentationml/2006/main">
   <p:cSld>
     <p:bg>
@@ -16079,7 +16627,7 @@
         <p:spPr>
           <a:xfrm>
             <a:off x="99415" y="3402637"/>
-            <a:ext cx="17817126" cy="4669933"/>
+            <a:ext cx="17817126" cy="4080028"/>
           </a:xfrm>
           <a:prstGeom prst="rect">
             <a:avLst/>
@@ -16361,12 +16909,24 @@
             </a:r>
             <a:r>
               <a:rPr lang="en-US" sz="3267" b="1" u="none" strike="noStrike" dirty="0">
+                <a:solidFill>
+                  <a:srgbClr val="000000"/>
+                </a:solidFill>
                 <a:latin typeface="Times New Roman" panose="02020603050405020304" pitchFamily="18" charset="0"/>
                 <a:ea typeface="Times New Roman Bold"/>
                 <a:cs typeface="Times New Roman" panose="02020603050405020304" pitchFamily="18" charset="0"/>
                 <a:sym typeface="Times New Roman Bold"/>
               </a:rPr>
-              <a:t>Google Oauth2.0, </a:t>
+              <a:t>JWT </a:t>
+            </a:r>
+            <a:r>
+              <a:rPr lang="en-US" sz="3267" b="1" u="none" strike="noStrike" dirty="0">
+                <a:latin typeface="Times New Roman" panose="02020603050405020304" pitchFamily="18" charset="0"/>
+                <a:ea typeface="Times New Roman Bold"/>
+                <a:cs typeface="Times New Roman" panose="02020603050405020304" pitchFamily="18" charset="0"/>
+                <a:sym typeface="Times New Roman Bold"/>
+              </a:rPr>
+              <a:t>, </a:t>
             </a:r>
             <a:r>
               <a:rPr lang="en-US" sz="3267" u="none" strike="noStrike" dirty="0">
@@ -16423,282 +16983,6 @@
                 <a:sym typeface="Times New Roman Bold"/>
               </a:rPr>
               <a:t>Key Learning </a:t>
-            </a:r>
-          </a:p>
-        </p:txBody>
-      </p:sp>
-    </p:spTree>
-  </p:cSld>
-  <p:clrMapOvr>
-    <a:masterClrMapping/>
-  </p:clrMapOvr>
-</p:sld>
-</file>
-
-<file path=ppt/slides/slide6.xml><?xml version="1.0" encoding="utf-8"?>
-<p:sld xmlns:a="http://schemas.openxmlformats.org/drawingml/2006/main" xmlns:r="http://schemas.openxmlformats.org/officeDocument/2006/relationships" xmlns:p="http://schemas.openxmlformats.org/presentationml/2006/main">
-  <p:cSld>
-    <p:spTree>
-      <p:nvGrpSpPr>
-        <p:cNvPr id="1" name=""/>
-        <p:cNvGrpSpPr/>
-        <p:nvPr/>
-      </p:nvGrpSpPr>
-      <p:grpSpPr>
-        <a:xfrm>
-          <a:off x="0" y="0"/>
-          <a:ext cx="0" cy="0"/>
-          <a:chOff x="0" y="0"/>
-          <a:chExt cx="0" cy="0"/>
-        </a:xfrm>
-      </p:grpSpPr>
-      <p:sp>
-        <p:nvSpPr>
-          <p:cNvPr id="2" name="TextBox 2"/>
-          <p:cNvSpPr txBox="1"/>
-          <p:nvPr/>
-        </p:nvSpPr>
-        <p:spPr>
-          <a:xfrm>
-            <a:off x="3218338" y="16510"/>
-            <a:ext cx="11851323" cy="1444563"/>
-          </a:xfrm>
-          <a:prstGeom prst="rect">
-            <a:avLst/>
-          </a:prstGeom>
-        </p:spPr>
-        <p:txBody>
-          <a:bodyPr lIns="0" tIns="0" rIns="0" bIns="0" rtlCol="0" anchor="t">
-            <a:spAutoFit/>
-          </a:bodyPr>
-          <a:lstStyle/>
-          <a:p>
-            <a:pPr marL="0" lvl="0" indent="0" algn="ctr">
-              <a:lnSpc>
-                <a:spcPts val="12319"/>
-              </a:lnSpc>
-              <a:spcBef>
-                <a:spcPct val="0"/>
-              </a:spcBef>
-            </a:pPr>
-            <a:r>
-              <a:rPr lang="en-US" sz="8700" b="1" u="sng" dirty="0">
-                <a:solidFill>
-                  <a:srgbClr val="000000"/>
-                </a:solidFill>
-                <a:latin typeface="Times New Roman Bold"/>
-                <a:ea typeface="Times New Roman Bold"/>
-                <a:cs typeface="Times New Roman Bold"/>
-                <a:sym typeface="Times New Roman Bold"/>
-              </a:rPr>
-              <a:t>Methodology/Approach1</a:t>
-            </a:r>
-          </a:p>
-        </p:txBody>
-      </p:sp>
-      <p:sp>
-        <p:nvSpPr>
-          <p:cNvPr id="3" name="TextBox 3"/>
-          <p:cNvSpPr txBox="1"/>
-          <p:nvPr/>
-        </p:nvSpPr>
-        <p:spPr>
-          <a:xfrm>
-            <a:off x="-7374" y="3771900"/>
-            <a:ext cx="17413430" cy="4128502"/>
-          </a:xfrm>
-          <a:prstGeom prst="rect">
-            <a:avLst/>
-          </a:prstGeom>
-        </p:spPr>
-        <p:txBody>
-          <a:bodyPr lIns="0" tIns="0" rIns="0" bIns="0" rtlCol="0" anchor="t">
-            <a:spAutoFit/>
-          </a:bodyPr>
-          <a:lstStyle/>
-          <a:p>
-            <a:pPr marL="1014731" lvl="1" indent="-507365">
-              <a:lnSpc>
-                <a:spcPts val="6580"/>
-              </a:lnSpc>
-              <a:buFont typeface="Arial"/>
-              <a:buChar char="•"/>
-            </a:pPr>
-            <a:r>
-              <a:rPr lang="en-US" sz="3600" dirty="0">
-                <a:solidFill>
-                  <a:srgbClr val="000000"/>
-                </a:solidFill>
-                <a:latin typeface="Times New Roman" panose="02020603050405020304" pitchFamily="18" charset="0"/>
-                <a:ea typeface="Times New Roman Bold"/>
-                <a:cs typeface="Times New Roman" panose="02020603050405020304" pitchFamily="18" charset="0"/>
-                <a:sym typeface="Times New Roman Bold"/>
-              </a:rPr>
-              <a:t>The frontend was built using </a:t>
-            </a:r>
-            <a:r>
-              <a:rPr lang="en-US" sz="3600" b="1" dirty="0">
-                <a:solidFill>
-                  <a:srgbClr val="000000"/>
-                </a:solidFill>
-                <a:latin typeface="Times New Roman" panose="02020603050405020304" pitchFamily="18" charset="0"/>
-                <a:ea typeface="Times New Roman Bold"/>
-                <a:cs typeface="Times New Roman" panose="02020603050405020304" pitchFamily="18" charset="0"/>
-                <a:sym typeface="Times New Roman Bold"/>
-              </a:rPr>
-              <a:t>React.js (Next.js).  </a:t>
-            </a:r>
-          </a:p>
-          <a:p>
-            <a:pPr marL="1014731" lvl="1" indent="-507365">
-              <a:lnSpc>
-                <a:spcPts val="6580"/>
-              </a:lnSpc>
-              <a:buFont typeface="Arial"/>
-              <a:buChar char="•"/>
-            </a:pPr>
-            <a:r>
-              <a:rPr lang="en-US" sz="3600" b="1" dirty="0" err="1">
-                <a:solidFill>
-                  <a:srgbClr val="000000"/>
-                </a:solidFill>
-                <a:latin typeface="Times New Roman" panose="02020603050405020304" pitchFamily="18" charset="0"/>
-                <a:ea typeface="Times New Roman Bold"/>
-                <a:cs typeface="Times New Roman" panose="02020603050405020304" pitchFamily="18" charset="0"/>
-                <a:sym typeface="Times New Roman Bold"/>
-              </a:rPr>
-              <a:t>TailwindCSS</a:t>
-            </a:r>
-            <a:r>
-              <a:rPr lang="en-US" sz="3600" dirty="0">
-                <a:solidFill>
-                  <a:srgbClr val="000000"/>
-                </a:solidFill>
-                <a:latin typeface="Times New Roman" panose="02020603050405020304" pitchFamily="18" charset="0"/>
-                <a:ea typeface="Times New Roman Bold"/>
-                <a:cs typeface="Times New Roman" panose="02020603050405020304" pitchFamily="18" charset="0"/>
-                <a:sym typeface="Times New Roman Bold"/>
-              </a:rPr>
-              <a:t> was used to design a clean and responsive layout with a grid system. </a:t>
-            </a:r>
-          </a:p>
-          <a:p>
-            <a:pPr marL="1014731" lvl="1" indent="-507365">
-              <a:lnSpc>
-                <a:spcPts val="6580"/>
-              </a:lnSpc>
-              <a:buFont typeface="Arial"/>
-              <a:buChar char="•"/>
-            </a:pPr>
-            <a:r>
-              <a:rPr lang="en-US" sz="3600" b="1" dirty="0">
-                <a:solidFill>
-                  <a:srgbClr val="000000"/>
-                </a:solidFill>
-                <a:latin typeface="Times New Roman" panose="02020603050405020304" pitchFamily="18" charset="0"/>
-                <a:ea typeface="Times New Roman Bold"/>
-                <a:cs typeface="Times New Roman" panose="02020603050405020304" pitchFamily="18" charset="0"/>
-                <a:sym typeface="Times New Roman Bold"/>
-              </a:rPr>
-              <a:t>Vanilla JavaScript </a:t>
-            </a:r>
-            <a:r>
-              <a:rPr lang="en-US" sz="3600" dirty="0">
-                <a:solidFill>
-                  <a:srgbClr val="000000"/>
-                </a:solidFill>
-                <a:latin typeface="Times New Roman" panose="02020603050405020304" pitchFamily="18" charset="0"/>
-                <a:ea typeface="Times New Roman Bold"/>
-                <a:cs typeface="Times New Roman" panose="02020603050405020304" pitchFamily="18" charset="0"/>
-                <a:sym typeface="Times New Roman Bold"/>
-              </a:rPr>
-              <a:t>was used for interactive elements like modals.</a:t>
-            </a:r>
-          </a:p>
-          <a:p>
-            <a:pPr marL="1014731" lvl="1" indent="-507365">
-              <a:lnSpc>
-                <a:spcPts val="6580"/>
-              </a:lnSpc>
-              <a:buFont typeface="Arial"/>
-              <a:buChar char="•"/>
-            </a:pPr>
-            <a:r>
-              <a:rPr lang="en-US" sz="3600" dirty="0">
-                <a:solidFill>
-                  <a:srgbClr val="000000"/>
-                </a:solidFill>
-                <a:latin typeface="Times New Roman" panose="02020603050405020304" pitchFamily="18" charset="0"/>
-                <a:ea typeface="Times New Roman Bold"/>
-                <a:cs typeface="Times New Roman" panose="02020603050405020304" pitchFamily="18" charset="0"/>
-                <a:sym typeface="Times New Roman Bold"/>
-              </a:rPr>
-              <a:t>The site features a </a:t>
-            </a:r>
-            <a:r>
-              <a:rPr lang="en-US" sz="3600" b="1" dirty="0">
-                <a:solidFill>
-                  <a:srgbClr val="000000"/>
-                </a:solidFill>
-                <a:latin typeface="Times New Roman" panose="02020603050405020304" pitchFamily="18" charset="0"/>
-                <a:ea typeface="Times New Roman Bold"/>
-                <a:cs typeface="Times New Roman" panose="02020603050405020304" pitchFamily="18" charset="0"/>
-                <a:sym typeface="Times New Roman Bold"/>
-              </a:rPr>
-              <a:t>responsive design</a:t>
-            </a:r>
-            <a:r>
-              <a:rPr lang="en-US" sz="3600" dirty="0">
-                <a:solidFill>
-                  <a:srgbClr val="000000"/>
-                </a:solidFill>
-                <a:latin typeface="Times New Roman" panose="02020603050405020304" pitchFamily="18" charset="0"/>
-                <a:ea typeface="Times New Roman Bold"/>
-                <a:cs typeface="Times New Roman" panose="02020603050405020304" pitchFamily="18" charset="0"/>
-                <a:sym typeface="Times New Roman Bold"/>
-              </a:rPr>
-              <a:t>, which makes it mobile-friendly and accessible on any device.  </a:t>
-            </a:r>
-          </a:p>
-        </p:txBody>
-      </p:sp>
-      <p:sp>
-        <p:nvSpPr>
-          <p:cNvPr id="4" name="TextBox 4"/>
-          <p:cNvSpPr txBox="1"/>
-          <p:nvPr/>
-        </p:nvSpPr>
-        <p:spPr>
-          <a:xfrm>
-            <a:off x="827765" y="2400300"/>
-            <a:ext cx="8350647" cy="975588"/>
-          </a:xfrm>
-          <a:prstGeom prst="rect">
-            <a:avLst/>
-          </a:prstGeom>
-        </p:spPr>
-        <p:txBody>
-          <a:bodyPr wrap="square" lIns="0" tIns="0" rIns="0" bIns="0" rtlCol="0" anchor="t">
-            <a:spAutoFit/>
-          </a:bodyPr>
-          <a:lstStyle/>
-          <a:p>
-            <a:pPr marL="0" lvl="0" indent="0">
-              <a:lnSpc>
-                <a:spcPts val="8260"/>
-              </a:lnSpc>
-              <a:spcBef>
-                <a:spcPct val="0"/>
-              </a:spcBef>
-            </a:pPr>
-            <a:r>
-              <a:rPr lang="en-US" sz="5900" b="1" u="sng" dirty="0">
-                <a:latin typeface="Times New Roman Bold"/>
-                <a:ea typeface="Times New Roman Bold"/>
-                <a:cs typeface="Times New Roman Bold"/>
-                <a:sym typeface="Times New Roman Bold"/>
-              </a:rPr>
-              <a:t>Frontend development:</a:t>
             </a:r>
           </a:p>
         </p:txBody>
@@ -16767,6 +17051,282 @@
                 <a:cs typeface="Times New Roman Bold"/>
                 <a:sym typeface="Times New Roman Bold"/>
               </a:rPr>
+              <a:t>Methodology/Approach1</a:t>
+            </a:r>
+          </a:p>
+        </p:txBody>
+      </p:sp>
+      <p:sp>
+        <p:nvSpPr>
+          <p:cNvPr id="3" name="TextBox 3"/>
+          <p:cNvSpPr txBox="1"/>
+          <p:nvPr/>
+        </p:nvSpPr>
+        <p:spPr>
+          <a:xfrm>
+            <a:off x="-7374" y="3771900"/>
+            <a:ext cx="17413430" cy="4128502"/>
+          </a:xfrm>
+          <a:prstGeom prst="rect">
+            <a:avLst/>
+          </a:prstGeom>
+        </p:spPr>
+        <p:txBody>
+          <a:bodyPr lIns="0" tIns="0" rIns="0" bIns="0" rtlCol="0" anchor="t">
+            <a:spAutoFit/>
+          </a:bodyPr>
+          <a:lstStyle/>
+          <a:p>
+            <a:pPr marL="1014731" lvl="1" indent="-507365">
+              <a:lnSpc>
+                <a:spcPts val="6580"/>
+              </a:lnSpc>
+              <a:buFont typeface="Arial"/>
+              <a:buChar char="•"/>
+            </a:pPr>
+            <a:r>
+              <a:rPr lang="en-US" sz="3600" dirty="0">
+                <a:solidFill>
+                  <a:srgbClr val="000000"/>
+                </a:solidFill>
+                <a:latin typeface="Times New Roman" panose="02020603050405020304" pitchFamily="18" charset="0"/>
+                <a:ea typeface="Times New Roman Bold"/>
+                <a:cs typeface="Times New Roman" panose="02020603050405020304" pitchFamily="18" charset="0"/>
+                <a:sym typeface="Times New Roman Bold"/>
+              </a:rPr>
+              <a:t>The frontend was built using </a:t>
+            </a:r>
+            <a:r>
+              <a:rPr lang="en-US" sz="3600" b="1" dirty="0">
+                <a:solidFill>
+                  <a:srgbClr val="000000"/>
+                </a:solidFill>
+                <a:latin typeface="Times New Roman" panose="02020603050405020304" pitchFamily="18" charset="0"/>
+                <a:ea typeface="Times New Roman Bold"/>
+                <a:cs typeface="Times New Roman" panose="02020603050405020304" pitchFamily="18" charset="0"/>
+                <a:sym typeface="Times New Roman Bold"/>
+              </a:rPr>
+              <a:t>Next.js.  </a:t>
+            </a:r>
+          </a:p>
+          <a:p>
+            <a:pPr marL="1014731" lvl="1" indent="-507365">
+              <a:lnSpc>
+                <a:spcPts val="6580"/>
+              </a:lnSpc>
+              <a:buFont typeface="Arial"/>
+              <a:buChar char="•"/>
+            </a:pPr>
+            <a:r>
+              <a:rPr lang="en-US" sz="3600" b="1" dirty="0" err="1">
+                <a:solidFill>
+                  <a:srgbClr val="000000"/>
+                </a:solidFill>
+                <a:latin typeface="Times New Roman" panose="02020603050405020304" pitchFamily="18" charset="0"/>
+                <a:ea typeface="Times New Roman Bold"/>
+                <a:cs typeface="Times New Roman" panose="02020603050405020304" pitchFamily="18" charset="0"/>
+                <a:sym typeface="Times New Roman Bold"/>
+              </a:rPr>
+              <a:t>TailwindCSS</a:t>
+            </a:r>
+            <a:r>
+              <a:rPr lang="en-US" sz="3600" dirty="0">
+                <a:solidFill>
+                  <a:srgbClr val="000000"/>
+                </a:solidFill>
+                <a:latin typeface="Times New Roman" panose="02020603050405020304" pitchFamily="18" charset="0"/>
+                <a:ea typeface="Times New Roman Bold"/>
+                <a:cs typeface="Times New Roman" panose="02020603050405020304" pitchFamily="18" charset="0"/>
+                <a:sym typeface="Times New Roman Bold"/>
+              </a:rPr>
+              <a:t> was used to design a clean and responsive layout with a grid system. </a:t>
+            </a:r>
+          </a:p>
+          <a:p>
+            <a:pPr marL="1014731" lvl="1" indent="-507365">
+              <a:lnSpc>
+                <a:spcPts val="6580"/>
+              </a:lnSpc>
+              <a:buFont typeface="Arial"/>
+              <a:buChar char="•"/>
+            </a:pPr>
+            <a:r>
+              <a:rPr lang="en-US" sz="3600" b="1" dirty="0">
+                <a:solidFill>
+                  <a:srgbClr val="000000"/>
+                </a:solidFill>
+                <a:latin typeface="Times New Roman" panose="02020603050405020304" pitchFamily="18" charset="0"/>
+                <a:ea typeface="Times New Roman Bold"/>
+                <a:cs typeface="Times New Roman" panose="02020603050405020304" pitchFamily="18" charset="0"/>
+                <a:sym typeface="Times New Roman Bold"/>
+              </a:rPr>
+              <a:t>Vanilla JavaScript </a:t>
+            </a:r>
+            <a:r>
+              <a:rPr lang="en-US" sz="3600" dirty="0">
+                <a:solidFill>
+                  <a:srgbClr val="000000"/>
+                </a:solidFill>
+                <a:latin typeface="Times New Roman" panose="02020603050405020304" pitchFamily="18" charset="0"/>
+                <a:ea typeface="Times New Roman Bold"/>
+                <a:cs typeface="Times New Roman" panose="02020603050405020304" pitchFamily="18" charset="0"/>
+                <a:sym typeface="Times New Roman Bold"/>
+              </a:rPr>
+              <a:t>was used for interactive elements like modals.</a:t>
+            </a:r>
+          </a:p>
+          <a:p>
+            <a:pPr marL="1014731" lvl="1" indent="-507365">
+              <a:lnSpc>
+                <a:spcPts val="6580"/>
+              </a:lnSpc>
+              <a:buFont typeface="Arial"/>
+              <a:buChar char="•"/>
+            </a:pPr>
+            <a:r>
+              <a:rPr lang="en-US" sz="3600" dirty="0">
+                <a:solidFill>
+                  <a:srgbClr val="000000"/>
+                </a:solidFill>
+                <a:latin typeface="Times New Roman" panose="02020603050405020304" pitchFamily="18" charset="0"/>
+                <a:ea typeface="Times New Roman Bold"/>
+                <a:cs typeface="Times New Roman" panose="02020603050405020304" pitchFamily="18" charset="0"/>
+                <a:sym typeface="Times New Roman Bold"/>
+              </a:rPr>
+              <a:t>The site features a </a:t>
+            </a:r>
+            <a:r>
+              <a:rPr lang="en-US" sz="3600" b="1" dirty="0">
+                <a:solidFill>
+                  <a:srgbClr val="000000"/>
+                </a:solidFill>
+                <a:latin typeface="Times New Roman" panose="02020603050405020304" pitchFamily="18" charset="0"/>
+                <a:ea typeface="Times New Roman Bold"/>
+                <a:cs typeface="Times New Roman" panose="02020603050405020304" pitchFamily="18" charset="0"/>
+                <a:sym typeface="Times New Roman Bold"/>
+              </a:rPr>
+              <a:t>responsive design</a:t>
+            </a:r>
+            <a:r>
+              <a:rPr lang="en-US" sz="3600" dirty="0">
+                <a:solidFill>
+                  <a:srgbClr val="000000"/>
+                </a:solidFill>
+                <a:latin typeface="Times New Roman" panose="02020603050405020304" pitchFamily="18" charset="0"/>
+                <a:ea typeface="Times New Roman Bold"/>
+                <a:cs typeface="Times New Roman" panose="02020603050405020304" pitchFamily="18" charset="0"/>
+                <a:sym typeface="Times New Roman Bold"/>
+              </a:rPr>
+              <a:t>, which makes it mobile-friendly and accessible on any device.  </a:t>
+            </a:r>
+          </a:p>
+        </p:txBody>
+      </p:sp>
+      <p:sp>
+        <p:nvSpPr>
+          <p:cNvPr id="4" name="TextBox 4"/>
+          <p:cNvSpPr txBox="1"/>
+          <p:nvPr/>
+        </p:nvSpPr>
+        <p:spPr>
+          <a:xfrm>
+            <a:off x="827765" y="2400300"/>
+            <a:ext cx="8350647" cy="975588"/>
+          </a:xfrm>
+          <a:prstGeom prst="rect">
+            <a:avLst/>
+          </a:prstGeom>
+        </p:spPr>
+        <p:txBody>
+          <a:bodyPr wrap="square" lIns="0" tIns="0" rIns="0" bIns="0" rtlCol="0" anchor="t">
+            <a:spAutoFit/>
+          </a:bodyPr>
+          <a:lstStyle/>
+          <a:p>
+            <a:pPr marL="0" lvl="0" indent="0">
+              <a:lnSpc>
+                <a:spcPts val="8260"/>
+              </a:lnSpc>
+              <a:spcBef>
+                <a:spcPct val="0"/>
+              </a:spcBef>
+            </a:pPr>
+            <a:r>
+              <a:rPr lang="en-US" sz="5900" b="1" u="sng" dirty="0">
+                <a:latin typeface="Times New Roman Bold"/>
+                <a:ea typeface="Times New Roman Bold"/>
+                <a:cs typeface="Times New Roman Bold"/>
+                <a:sym typeface="Times New Roman Bold"/>
+              </a:rPr>
+              <a:t>Frontend development:</a:t>
+            </a:r>
+          </a:p>
+        </p:txBody>
+      </p:sp>
+    </p:spTree>
+  </p:cSld>
+  <p:clrMapOvr>
+    <a:masterClrMapping/>
+  </p:clrMapOvr>
+</p:sld>
+</file>
+
+<file path=ppt/slides/slide8.xml><?xml version="1.0" encoding="utf-8"?>
+<p:sld xmlns:a="http://schemas.openxmlformats.org/drawingml/2006/main" xmlns:r="http://schemas.openxmlformats.org/officeDocument/2006/relationships" xmlns:p="http://schemas.openxmlformats.org/presentationml/2006/main">
+  <p:cSld>
+    <p:spTree>
+      <p:nvGrpSpPr>
+        <p:cNvPr id="1" name=""/>
+        <p:cNvGrpSpPr/>
+        <p:nvPr/>
+      </p:nvGrpSpPr>
+      <p:grpSpPr>
+        <a:xfrm>
+          <a:off x="0" y="0"/>
+          <a:ext cx="0" cy="0"/>
+          <a:chOff x="0" y="0"/>
+          <a:chExt cx="0" cy="0"/>
+        </a:xfrm>
+      </p:grpSpPr>
+      <p:sp>
+        <p:nvSpPr>
+          <p:cNvPr id="2" name="TextBox 2"/>
+          <p:cNvSpPr txBox="1"/>
+          <p:nvPr/>
+        </p:nvSpPr>
+        <p:spPr>
+          <a:xfrm>
+            <a:off x="3218338" y="16510"/>
+            <a:ext cx="11851323" cy="1444563"/>
+          </a:xfrm>
+          <a:prstGeom prst="rect">
+            <a:avLst/>
+          </a:prstGeom>
+        </p:spPr>
+        <p:txBody>
+          <a:bodyPr lIns="0" tIns="0" rIns="0" bIns="0" rtlCol="0" anchor="t">
+            <a:spAutoFit/>
+          </a:bodyPr>
+          <a:lstStyle/>
+          <a:p>
+            <a:pPr marL="0" lvl="0" indent="0" algn="ctr">
+              <a:lnSpc>
+                <a:spcPts val="12319"/>
+              </a:lnSpc>
+              <a:spcBef>
+                <a:spcPct val="0"/>
+              </a:spcBef>
+            </a:pPr>
+            <a:r>
+              <a:rPr lang="en-US" sz="8700" b="1" u="sng" dirty="0">
+                <a:solidFill>
+                  <a:srgbClr val="000000"/>
+                </a:solidFill>
+                <a:latin typeface="Times New Roman Bold"/>
+                <a:ea typeface="Times New Roman Bold"/>
+                <a:cs typeface="Times New Roman Bold"/>
+                <a:sym typeface="Times New Roman Bold"/>
+              </a:rPr>
               <a:t>Methodology/Approach2</a:t>
             </a:r>
           </a:p>
@@ -16879,7 +17439,7 @@
                 <a:cs typeface="Times New Roman" panose="02020603050405020304" pitchFamily="18" charset="0"/>
                 <a:sym typeface="Times New Roman Bold"/>
               </a:rPr>
-              <a:t>Port 5000 </a:t>
+              <a:t>Port 5000(in local) </a:t>
             </a:r>
             <a:r>
               <a:rPr lang="en-US" sz="3600" dirty="0">
@@ -17059,7 +17619,7 @@
 </p:sld>
 </file>
 
-<file path=ppt/slides/slide8.xml><?xml version="1.0" encoding="utf-8"?>
+<file path=ppt/slides/slide9.xml><?xml version="1.0" encoding="utf-8"?>
 <p:sld xmlns:a="http://schemas.openxmlformats.org/drawingml/2006/main" xmlns:r="http://schemas.openxmlformats.org/officeDocument/2006/relationships" xmlns:p="http://schemas.openxmlformats.org/presentationml/2006/main">
   <p:cSld>
     <p:spTree>
@@ -17427,294 +17987,6 @@
         </p:txBody>
       </p:sp>
     </p:spTree>
-  </p:cSld>
-  <p:clrMapOvr>
-    <a:masterClrMapping/>
-  </p:clrMapOvr>
-</p:sld>
-</file>
-
-<file path=ppt/slides/slide9.xml><?xml version="1.0" encoding="utf-8"?>
-<p:sld xmlns:a="http://schemas.openxmlformats.org/drawingml/2006/main" xmlns:r="http://schemas.openxmlformats.org/officeDocument/2006/relationships" xmlns:p="http://schemas.openxmlformats.org/presentationml/2006/main">
-  <p:cSld>
-    <p:spTree>
-      <p:nvGrpSpPr>
-        <p:cNvPr id="1" name=""/>
-        <p:cNvGrpSpPr/>
-        <p:nvPr/>
-      </p:nvGrpSpPr>
-      <p:grpSpPr>
-        <a:xfrm>
-          <a:off x="0" y="0"/>
-          <a:ext cx="0" cy="0"/>
-          <a:chOff x="0" y="0"/>
-          <a:chExt cx="0" cy="0"/>
-        </a:xfrm>
-      </p:grpSpPr>
-      <p:pic>
-        <p:nvPicPr>
-          <p:cNvPr id="3" name="Picture 2">
-            <a:extLst>
-              <a:ext uri="{FF2B5EF4-FFF2-40B4-BE49-F238E27FC236}">
-                <a16:creationId xmlns:a16="http://schemas.microsoft.com/office/drawing/2014/main" id="{3D81919B-9900-5C33-8A2F-03A5E0DF8EC8}"/>
-              </a:ext>
-            </a:extLst>
-          </p:cNvPr>
-          <p:cNvPicPr>
-            <a:picLocks noChangeAspect="1"/>
-          </p:cNvPicPr>
-          <p:nvPr/>
-        </p:nvPicPr>
-        <p:blipFill>
-          <a:blip r:embed="rId2" cstate="print">
-            <a:extLst>
-              <a:ext uri="{28A0092B-C50C-407E-A947-70E740481C1C}">
-                <a14:useLocalDpi xmlns:a14="http://schemas.microsoft.com/office/drawing/2010/main" val="0"/>
-              </a:ext>
-            </a:extLst>
-          </a:blip>
-          <a:stretch>
-            <a:fillRect/>
-          </a:stretch>
-        </p:blipFill>
-        <p:spPr>
-          <a:xfrm>
-            <a:off x="11277600" y="0"/>
-            <a:ext cx="7010400" cy="10287000"/>
-          </a:xfrm>
-          <a:prstGeom prst="rect">
-            <a:avLst/>
-          </a:prstGeom>
-        </p:spPr>
-      </p:pic>
-      <p:sp>
-        <p:nvSpPr>
-          <p:cNvPr id="4" name="TextBox 3">
-            <a:extLst>
-              <a:ext uri="{FF2B5EF4-FFF2-40B4-BE49-F238E27FC236}">
-                <a16:creationId xmlns:a16="http://schemas.microsoft.com/office/drawing/2014/main" id="{967ABB25-9859-DEB6-2457-8C7814A07BE5}"/>
-              </a:ext>
-            </a:extLst>
-          </p:cNvPr>
-          <p:cNvSpPr txBox="1"/>
-          <p:nvPr/>
-        </p:nvSpPr>
-        <p:spPr>
-          <a:xfrm>
-            <a:off x="304800" y="1650236"/>
-            <a:ext cx="10363200" cy="6986528"/>
-          </a:xfrm>
-          <a:prstGeom prst="rect">
-            <a:avLst/>
-          </a:prstGeom>
-          <a:noFill/>
-        </p:spPr>
-        <p:txBody>
-          <a:bodyPr wrap="square" rtlCol="0">
-            <a:spAutoFit/>
-          </a:bodyPr>
-          <a:lstStyle/>
-          <a:p>
-            <a:r>
-              <a:rPr lang="en-IN" sz="2800" b="1" u="sng" dirty="0"/>
-              <a:t>Overview:</a:t>
-            </a:r>
-          </a:p>
-          <a:p>
-            <a:endParaRPr lang="en-IN" sz="2800" b="1" u="sng" dirty="0"/>
-          </a:p>
-          <a:p>
-            <a:pPr marL="457200" indent="-457200">
-              <a:buFont typeface="Arial" panose="020B0604020202020204" pitchFamily="34" charset="0"/>
-              <a:buChar char="•"/>
-            </a:pPr>
-            <a:r>
-              <a:rPr lang="en-IN" sz="2800" dirty="0"/>
-              <a:t>Modern and minimal landing page for </a:t>
-            </a:r>
-            <a:r>
-              <a:rPr lang="en-IN" sz="2800" dirty="0" err="1"/>
-              <a:t>InkLink</a:t>
-            </a:r>
-            <a:r>
-              <a:rPr lang="en-IN" sz="2800" dirty="0"/>
-              <a:t>.</a:t>
-            </a:r>
-          </a:p>
-          <a:p>
-            <a:pPr marL="457200" indent="-457200">
-              <a:buFont typeface="Arial" panose="020B0604020202020204" pitchFamily="34" charset="0"/>
-              <a:buChar char="•"/>
-            </a:pPr>
-            <a:r>
-              <a:rPr lang="en-IN" sz="2800" dirty="0"/>
-              <a:t>Welcomes users with a clear call-to-action (“Create a Blog”).</a:t>
-            </a:r>
-          </a:p>
-          <a:p>
-            <a:pPr marL="457200" indent="-457200">
-              <a:buFont typeface="Arial" panose="020B0604020202020204" pitchFamily="34" charset="0"/>
-              <a:buChar char="•"/>
-            </a:pPr>
-            <a:r>
-              <a:rPr lang="en-IN" sz="2800" dirty="0"/>
-              <a:t>Highlights latest blog posts in a clean grid layout.</a:t>
-            </a:r>
-          </a:p>
-          <a:p>
-            <a:pPr marL="457200" indent="-457200">
-              <a:buFont typeface="Arial" panose="020B0604020202020204" pitchFamily="34" charset="0"/>
-              <a:buChar char="•"/>
-            </a:pPr>
-            <a:r>
-              <a:rPr lang="en-IN" sz="2800" dirty="0"/>
-              <a:t>Section for Why Join </a:t>
-            </a:r>
-            <a:r>
-              <a:rPr lang="en-IN" sz="2800" dirty="0" err="1"/>
-              <a:t>InkLink</a:t>
-            </a:r>
-            <a:r>
-              <a:rPr lang="en-IN" sz="2800" dirty="0"/>
-              <a:t>? showing key benefits.</a:t>
-            </a:r>
-          </a:p>
-          <a:p>
-            <a:pPr marL="457200" indent="-457200">
-              <a:buFont typeface="Arial" panose="020B0604020202020204" pitchFamily="34" charset="0"/>
-              <a:buChar char="•"/>
-            </a:pPr>
-            <a:r>
-              <a:rPr lang="en-IN" sz="2800" dirty="0"/>
-              <a:t>Fully responsive design with smooth navigation (Home, About, Contact, Blog). </a:t>
-            </a:r>
-          </a:p>
-          <a:p>
-            <a:endParaRPr lang="en-IN" sz="2800" dirty="0"/>
-          </a:p>
-          <a:p>
-            <a:r>
-              <a:rPr lang="en-IN" sz="2800" b="1" u="sng" dirty="0"/>
-              <a:t>Key Features on Landing Page:</a:t>
-            </a:r>
-          </a:p>
-          <a:p>
-            <a:endParaRPr lang="en-IN" sz="2800" b="1" u="sng" dirty="0"/>
-          </a:p>
-          <a:p>
-            <a:pPr marL="457200" indent="-457200">
-              <a:buFont typeface="Arial" panose="020B0604020202020204" pitchFamily="34" charset="0"/>
-              <a:buChar char="•"/>
-            </a:pPr>
-            <a:r>
-              <a:rPr lang="en-IN" sz="2800" dirty="0"/>
-              <a:t>✨ Hero section with welcome message.</a:t>
-            </a:r>
-          </a:p>
-          <a:p>
-            <a:pPr marL="457200" indent="-457200">
-              <a:buFont typeface="Arial" panose="020B0604020202020204" pitchFamily="34" charset="0"/>
-              <a:buChar char="•"/>
-            </a:pPr>
-            <a:r>
-              <a:rPr lang="en-IN" sz="2800" dirty="0"/>
-              <a:t>📰 “Latest Blog Posts” grid for trending content.</a:t>
-            </a:r>
-          </a:p>
-          <a:p>
-            <a:pPr marL="457200" indent="-457200">
-              <a:buFont typeface="Arial" panose="020B0604020202020204" pitchFamily="34" charset="0"/>
-              <a:buChar char="•"/>
-            </a:pPr>
-            <a:r>
-              <a:rPr lang="en-IN" sz="2800" dirty="0"/>
-              <a:t>🎯 “Why Join </a:t>
-            </a:r>
-            <a:r>
-              <a:rPr lang="en-IN" sz="2800" dirty="0" err="1"/>
-              <a:t>InkLink</a:t>
-            </a:r>
-            <a:r>
-              <a:rPr lang="en-IN" sz="2800" dirty="0"/>
-              <a:t>?” section to attract new users.</a:t>
-            </a:r>
-          </a:p>
-          <a:p>
-            <a:pPr marL="457200" indent="-457200">
-              <a:buFont typeface="Arial" panose="020B0604020202020204" pitchFamily="34" charset="0"/>
-              <a:buChar char="•"/>
-            </a:pPr>
-            <a:r>
-              <a:rPr lang="en-IN" sz="2800" dirty="0"/>
-              <a:t>📌 Footer with quick links, newsletter subscription, and social media.</a:t>
-            </a:r>
-          </a:p>
-        </p:txBody>
-      </p:sp>
-      <p:sp>
-        <p:nvSpPr>
-          <p:cNvPr id="6" name="TextBox 5">
-            <a:extLst>
-              <a:ext uri="{FF2B5EF4-FFF2-40B4-BE49-F238E27FC236}">
-                <a16:creationId xmlns:a16="http://schemas.microsoft.com/office/drawing/2014/main" id="{33F54E58-E728-BA42-B434-5A62E34FA3CC}"/>
-              </a:ext>
-            </a:extLst>
-          </p:cNvPr>
-          <p:cNvSpPr txBox="1"/>
-          <p:nvPr/>
-        </p:nvSpPr>
-        <p:spPr>
-          <a:xfrm>
-            <a:off x="2188760" y="266700"/>
-            <a:ext cx="5867400" cy="1754326"/>
-          </a:xfrm>
-          <a:prstGeom prst="rect">
-            <a:avLst/>
-          </a:prstGeom>
-          <a:noFill/>
-        </p:spPr>
-        <p:txBody>
-          <a:bodyPr wrap="square" rtlCol="0">
-            <a:spAutoFit/>
-          </a:bodyPr>
-          <a:lstStyle/>
-          <a:p>
-            <a:r>
-              <a:rPr lang="en-US" sz="5400" b="1" u="sng" dirty="0">
-                <a:solidFill>
-                  <a:srgbClr val="000000"/>
-                </a:solidFill>
-                <a:latin typeface="Times New Roman Bold"/>
-                <a:ea typeface="Times New Roman Bold"/>
-                <a:cs typeface="Times New Roman Bold"/>
-                <a:sym typeface="Times New Roman Bold"/>
-              </a:rPr>
-              <a:t>LANDING PAGE</a:t>
-            </a:r>
-            <a:r>
-              <a:rPr lang="en-US" sz="5400" b="1" dirty="0">
-                <a:solidFill>
-                  <a:srgbClr val="000000"/>
-                </a:solidFill>
-                <a:latin typeface="Times New Roman Bold"/>
-                <a:ea typeface="Times New Roman Bold"/>
-                <a:cs typeface="Times New Roman Bold"/>
-                <a:sym typeface="Times New Roman Bold"/>
-              </a:rPr>
-              <a:t> </a:t>
-            </a:r>
-          </a:p>
-          <a:p>
-            <a:endParaRPr lang="en-IN" sz="5400" dirty="0"/>
-          </a:p>
-        </p:txBody>
-      </p:sp>
-    </p:spTree>
-    <p:extLst>
-      <p:ext uri="{BB962C8B-B14F-4D97-AF65-F5344CB8AC3E}">
-        <p14:creationId xmlns:p14="http://schemas.microsoft.com/office/powerpoint/2010/main" val="1493395639"/>
-      </p:ext>
-    </p:extLst>
   </p:cSld>
   <p:clrMapOvr>
     <a:masterClrMapping/>
